--- a/table_s_1_5.pptx
+++ b/table_s_1_5.pptx
@@ -243,7 +243,7 @@
           <a:p>
             <a:fld id="{9E99647D-1C99-4C31-AAA6-6EEC540FEA86}" type="datetimeFigureOut">
               <a:rPr lang="en-US" smtClean="0"/>
-              <a:t>2/19/2023</a:t>
+              <a:t>5/16/2023</a:t>
             </a:fld>
             <a:endParaRPr lang="en-US"/>
           </a:p>
@@ -413,7 +413,7 @@
           <a:p>
             <a:fld id="{9E99647D-1C99-4C31-AAA6-6EEC540FEA86}" type="datetimeFigureOut">
               <a:rPr lang="en-US" smtClean="0"/>
-              <a:t>2/19/2023</a:t>
+              <a:t>5/16/2023</a:t>
             </a:fld>
             <a:endParaRPr lang="en-US"/>
           </a:p>
@@ -593,7 +593,7 @@
           <a:p>
             <a:fld id="{9E99647D-1C99-4C31-AAA6-6EEC540FEA86}" type="datetimeFigureOut">
               <a:rPr lang="en-US" smtClean="0"/>
-              <a:t>2/19/2023</a:t>
+              <a:t>5/16/2023</a:t>
             </a:fld>
             <a:endParaRPr lang="en-US"/>
           </a:p>
@@ -763,7 +763,7 @@
           <a:p>
             <a:fld id="{9E99647D-1C99-4C31-AAA6-6EEC540FEA86}" type="datetimeFigureOut">
               <a:rPr lang="en-US" smtClean="0"/>
-              <a:t>2/19/2023</a:t>
+              <a:t>5/16/2023</a:t>
             </a:fld>
             <a:endParaRPr lang="en-US"/>
           </a:p>
@@ -1009,7 +1009,7 @@
           <a:p>
             <a:fld id="{9E99647D-1C99-4C31-AAA6-6EEC540FEA86}" type="datetimeFigureOut">
               <a:rPr lang="en-US" smtClean="0"/>
-              <a:t>2/19/2023</a:t>
+              <a:t>5/16/2023</a:t>
             </a:fld>
             <a:endParaRPr lang="en-US"/>
           </a:p>
@@ -1241,7 +1241,7 @@
           <a:p>
             <a:fld id="{9E99647D-1C99-4C31-AAA6-6EEC540FEA86}" type="datetimeFigureOut">
               <a:rPr lang="en-US" smtClean="0"/>
-              <a:t>2/19/2023</a:t>
+              <a:t>5/16/2023</a:t>
             </a:fld>
             <a:endParaRPr lang="en-US"/>
           </a:p>
@@ -1608,7 +1608,7 @@
           <a:p>
             <a:fld id="{9E99647D-1C99-4C31-AAA6-6EEC540FEA86}" type="datetimeFigureOut">
               <a:rPr lang="en-US" smtClean="0"/>
-              <a:t>2/19/2023</a:t>
+              <a:t>5/16/2023</a:t>
             </a:fld>
             <a:endParaRPr lang="en-US"/>
           </a:p>
@@ -1726,7 +1726,7 @@
           <a:p>
             <a:fld id="{9E99647D-1C99-4C31-AAA6-6EEC540FEA86}" type="datetimeFigureOut">
               <a:rPr lang="en-US" smtClean="0"/>
-              <a:t>2/19/2023</a:t>
+              <a:t>5/16/2023</a:t>
             </a:fld>
             <a:endParaRPr lang="en-US"/>
           </a:p>
@@ -1821,7 +1821,7 @@
           <a:p>
             <a:fld id="{9E99647D-1C99-4C31-AAA6-6EEC540FEA86}" type="datetimeFigureOut">
               <a:rPr lang="en-US" smtClean="0"/>
-              <a:t>2/19/2023</a:t>
+              <a:t>5/16/2023</a:t>
             </a:fld>
             <a:endParaRPr lang="en-US"/>
           </a:p>
@@ -2098,7 +2098,7 @@
           <a:p>
             <a:fld id="{9E99647D-1C99-4C31-AAA6-6EEC540FEA86}" type="datetimeFigureOut">
               <a:rPr lang="en-US" smtClean="0"/>
-              <a:t>2/19/2023</a:t>
+              <a:t>5/16/2023</a:t>
             </a:fld>
             <a:endParaRPr lang="en-US"/>
           </a:p>
@@ -2355,7 +2355,7 @@
           <a:p>
             <a:fld id="{9E99647D-1C99-4C31-AAA6-6EEC540FEA86}" type="datetimeFigureOut">
               <a:rPr lang="en-US" smtClean="0"/>
-              <a:t>2/19/2023</a:t>
+              <a:t>5/16/2023</a:t>
             </a:fld>
             <a:endParaRPr lang="en-US"/>
           </a:p>
@@ -2568,7 +2568,7 @@
           <a:p>
             <a:fld id="{9E99647D-1C99-4C31-AAA6-6EEC540FEA86}" type="datetimeFigureOut">
               <a:rPr lang="en-US" smtClean="0"/>
-              <a:t>2/19/2023</a:t>
+              <a:t>5/16/2023</a:t>
             </a:fld>
             <a:endParaRPr lang="en-US"/>
           </a:p>
@@ -3027,13 +3027,13 @@
           <p:nvPr>
             <p:extLst>
               <p:ext uri="{D42A27DB-BD31-4B8C-83A1-F6EECF244321}">
-                <p14:modId xmlns:p14="http://schemas.microsoft.com/office/powerpoint/2010/main" val="3600891929"/>
+                <p14:modId xmlns:p14="http://schemas.microsoft.com/office/powerpoint/2010/main" val="2687490264"/>
               </p:ext>
             </p:extLst>
           </p:nvPr>
         </p:nvGraphicFramePr>
         <p:xfrm>
-          <a:off x="-6" y="577693"/>
+          <a:off x="-8971" y="577693"/>
           <a:ext cx="9144002" cy="6249421"/>
         </p:xfrm>
         <a:graphic>
@@ -3202,14 +3202,14 @@
                     </a:ext>
                   </a:extLst>
                 </a:gridCol>
-                <a:gridCol w="200972">
+                <a:gridCol w="363346">
                   <a:extLst>
                     <a:ext uri="{9D8B030D-6E8A-4147-A177-3AD203B41FA5}">
                       <a16:colId xmlns:a16="http://schemas.microsoft.com/office/drawing/2014/main" val="2227096106"/>
                     </a:ext>
                   </a:extLst>
                 </a:gridCol>
-                <a:gridCol w="200972">
+                <a:gridCol w="38598">
                   <a:extLst>
                     <a:ext uri="{9D8B030D-6E8A-4147-A177-3AD203B41FA5}">
                       <a16:colId xmlns:a16="http://schemas.microsoft.com/office/drawing/2014/main" val="2836410473"/>
@@ -3652,7 +3652,7 @@
                         </a:spcAft>
                       </a:pPr>
                       <a:r>
-                        <a:rPr lang="en-US" sz="900">
+                        <a:rPr lang="en-US" sz="900" dirty="0">
                           <a:solidFill>
                             <a:srgbClr val="000000"/>
                           </a:solidFill>
@@ -3663,7 +3663,7 @@
                         </a:rPr>
                         <a:t> Composite approach</a:t>
                       </a:r>
-                      <a:endParaRPr lang="en-US" sz="900">
+                      <a:endParaRPr lang="en-US" sz="900" dirty="0">
                         <a:effectLst/>
                         <a:latin typeface="Times New Roman" panose="02020603050405020304" pitchFamily="18" charset="0"/>
                         <a:ea typeface="Calibri" panose="020F0502020204030204" pitchFamily="34" charset="0"/>
@@ -4467,7 +4467,7 @@
                         </a:spcAft>
                       </a:pPr>
                       <a:r>
-                        <a:rPr lang="en-US" sz="900">
+                        <a:rPr lang="en-US" sz="900" dirty="0">
                           <a:solidFill>
                             <a:srgbClr val="000000"/>
                           </a:solidFill>
@@ -4478,7 +4478,7 @@
                         </a:rPr>
                         <a:t> % of burden </a:t>
                       </a:r>
-                      <a:endParaRPr lang="en-US" sz="900">
+                      <a:endParaRPr lang="en-US" sz="900" dirty="0">
                         <a:effectLst/>
                         <a:latin typeface="Times New Roman" panose="02020603050405020304" pitchFamily="18" charset="0"/>
                         <a:ea typeface="Calibri" panose="020F0502020204030204" pitchFamily="34" charset="0"/>
@@ -14715,7 +14715,7 @@
                         </a:spcAft>
                       </a:pPr>
                       <a:r>
-                        <a:rPr lang="en-US" sz="900">
+                        <a:rPr lang="en-US" sz="900" dirty="0">
                           <a:solidFill>
                             <a:srgbClr val="000000"/>
                           </a:solidFill>
@@ -14726,7 +14726,7 @@
                         </a:rPr>
                         <a:t> </a:t>
                       </a:r>
-                      <a:endParaRPr lang="en-US" sz="900">
+                      <a:endParaRPr lang="en-US" sz="900" dirty="0">
                         <a:effectLst/>
                         <a:latin typeface="Times New Roman" panose="02020603050405020304" pitchFamily="18" charset="0"/>
                         <a:ea typeface="Calibri" panose="020F0502020204030204" pitchFamily="34" charset="0"/>
